--- a/docs/about_project_ru.pptx
+++ b/docs/about_project_ru.pptx
@@ -3913,7 +3913,7 @@
           </a:p>
           <a:p>
             <a:r>
-              <a:rPr lang="ru-RU"/>
+              <a:rPr lang="ru-RU" dirty="0"/>
               <a:t>Накидываем сюда идеи, не стесняемся!</a:t>
             </a:r>
           </a:p>
